--- a/src/img/Parami_Protocol_Light_Paper.pptx
+++ b/src/img/Parami_Protocol_Light_Paper.pptx
@@ -4734,7 +4734,27 @@
                   <a:latin typeface="Arial Regular" panose="020B0604020202090204" charset="0"/>
                   <a:cs typeface="Arial Regular" panose="020B0604020202090204" charset="0"/>
                 </a:rPr>
-                <a:t>Core dev of Ledge.</a:t>
+                <a:t>Core dev of Ledge</a:t>
+              </a:r>
+              <a:r>
+                <a:rPr lang="en-US" altLang="en-GB" sz="1600" dirty="0">
+                  <a:solidFill>
+                    <a:schemeClr val="tx1"/>
+                  </a:solidFill>
+                  <a:latin typeface="Arial Regular" panose="020B0604020202090204" charset="0"/>
+                  <a:cs typeface="Arial Regular" panose="020B0604020202090204" charset="0"/>
+                </a:rPr>
+                <a:t>r</a:t>
+              </a:r>
+              <a:r>
+                <a:rPr lang="en-GB" altLang="zh-CN" sz="1600" dirty="0">
+                  <a:solidFill>
+                    <a:schemeClr val="tx1"/>
+                  </a:solidFill>
+                  <a:latin typeface="Arial Regular" panose="020B0604020202090204" charset="0"/>
+                  <a:cs typeface="Arial Regular" panose="020B0604020202090204" charset="0"/>
+                </a:rPr>
+                <a:t>.</a:t>
               </a:r>
               <a:endParaRPr kumimoji="1" lang="en-GB" altLang="zh-CN" sz="1600" dirty="0">
                 <a:solidFill>
